--- a/src/morea/materials/11-lists.pptx
+++ b/src/morea/materials/11-lists.pptx
@@ -259,7 +259,7 @@
             <a:fld id="{26F0AA15-DA75-F04C-BBBF-C905B5F21D0A}" type="datetime1">
               <a:rPr lang="en-US"/>
               <a:pPr/>
-              <a:t>3/19/15</a:t>
+              <a:t>3/23/15</a:t>
             </a:fld>
             <a:endParaRPr lang="en-US"/>
           </a:p>
@@ -8395,16 +8395,14 @@
           <a:lstStyle/>
           <a:p>
             <a:r>
+              <a:rPr lang="en-US" dirty="0" smtClean="0"/>
+              <a:t>Dr. </a:t>
+            </a:r>
+            <a:r>
               <a:rPr lang="en-US" smtClean="0"/>
-              <a:t>Dr. Emily Hill</a:t>
-            </a:r>
-          </a:p>
-          <a:p>
-            <a:r>
-              <a:rPr lang="en-US" smtClean="0"/>
-              <a:t>Fall 2014</a:t>
-            </a:r>
-            <a:endParaRPr lang="en-US" dirty="0"/>
+              <a:t>Emily Hill</a:t>
+            </a:r>
+            <a:endParaRPr lang="en-US" dirty="0" smtClean="0"/>
           </a:p>
         </p:txBody>
       </p:sp>
